--- a/articles/2_курс/ТИУ конференция 04.2025/Колбеко презентация.pptx
+++ b/articles/2_курс/ТИУ конференция 04.2025/Колбеко презентация.pptx
@@ -219,7 +219,7 @@
           <a:p>
             <a:fld id="{F15BD237-52E8-4D53-B2C0-3CE06DB00FFF}" type="datetimeFigureOut">
               <a:rPr lang="ru-RU" smtClean="0"/>
-              <a:t>24.04.2025</a:t>
+              <a:t>20.07.2025</a:t>
             </a:fld>
             <a:endParaRPr lang="ru-RU"/>
           </a:p>
@@ -1292,7 +1292,7 @@
           <a:p>
             <a:fld id="{0B052313-9091-4C76-A5F9-A9D3259EC5F2}" type="datetimeFigureOut">
               <a:rPr lang="ru-RU" smtClean="0"/>
-              <a:t>24.04.2025</a:t>
+              <a:t>20.07.2025</a:t>
             </a:fld>
             <a:endParaRPr lang="ru-RU"/>
           </a:p>
@@ -1462,7 +1462,7 @@
           <a:p>
             <a:fld id="{0B052313-9091-4C76-A5F9-A9D3259EC5F2}" type="datetimeFigureOut">
               <a:rPr lang="ru-RU" smtClean="0"/>
-              <a:t>24.04.2025</a:t>
+              <a:t>20.07.2025</a:t>
             </a:fld>
             <a:endParaRPr lang="ru-RU"/>
           </a:p>
@@ -1642,7 +1642,7 @@
           <a:p>
             <a:fld id="{0B052313-9091-4C76-A5F9-A9D3259EC5F2}" type="datetimeFigureOut">
               <a:rPr lang="ru-RU" smtClean="0"/>
-              <a:t>24.04.2025</a:t>
+              <a:t>20.07.2025</a:t>
             </a:fld>
             <a:endParaRPr lang="ru-RU"/>
           </a:p>
@@ -1812,7 +1812,7 @@
           <a:p>
             <a:fld id="{0B052313-9091-4C76-A5F9-A9D3259EC5F2}" type="datetimeFigureOut">
               <a:rPr lang="ru-RU" smtClean="0"/>
-              <a:t>24.04.2025</a:t>
+              <a:t>20.07.2025</a:t>
             </a:fld>
             <a:endParaRPr lang="ru-RU"/>
           </a:p>
@@ -2056,7 +2056,7 @@
           <a:p>
             <a:fld id="{0B052313-9091-4C76-A5F9-A9D3259EC5F2}" type="datetimeFigureOut">
               <a:rPr lang="ru-RU" smtClean="0"/>
-              <a:t>24.04.2025</a:t>
+              <a:t>20.07.2025</a:t>
             </a:fld>
             <a:endParaRPr lang="ru-RU"/>
           </a:p>
@@ -2288,7 +2288,7 @@
           <a:p>
             <a:fld id="{0B052313-9091-4C76-A5F9-A9D3259EC5F2}" type="datetimeFigureOut">
               <a:rPr lang="ru-RU" smtClean="0"/>
-              <a:t>24.04.2025</a:t>
+              <a:t>20.07.2025</a:t>
             </a:fld>
             <a:endParaRPr lang="ru-RU"/>
           </a:p>
@@ -2655,7 +2655,7 @@
           <a:p>
             <a:fld id="{0B052313-9091-4C76-A5F9-A9D3259EC5F2}" type="datetimeFigureOut">
               <a:rPr lang="ru-RU" smtClean="0"/>
-              <a:t>24.04.2025</a:t>
+              <a:t>20.07.2025</a:t>
             </a:fld>
             <a:endParaRPr lang="ru-RU"/>
           </a:p>
@@ -2773,7 +2773,7 @@
           <a:p>
             <a:fld id="{0B052313-9091-4C76-A5F9-A9D3259EC5F2}" type="datetimeFigureOut">
               <a:rPr lang="ru-RU" smtClean="0"/>
-              <a:t>24.04.2025</a:t>
+              <a:t>20.07.2025</a:t>
             </a:fld>
             <a:endParaRPr lang="ru-RU"/>
           </a:p>
@@ -2868,7 +2868,7 @@
           <a:p>
             <a:fld id="{0B052313-9091-4C76-A5F9-A9D3259EC5F2}" type="datetimeFigureOut">
               <a:rPr lang="ru-RU" smtClean="0"/>
-              <a:t>24.04.2025</a:t>
+              <a:t>20.07.2025</a:t>
             </a:fld>
             <a:endParaRPr lang="ru-RU"/>
           </a:p>
@@ -3145,7 +3145,7 @@
           <a:p>
             <a:fld id="{0B052313-9091-4C76-A5F9-A9D3259EC5F2}" type="datetimeFigureOut">
               <a:rPr lang="ru-RU" smtClean="0"/>
-              <a:t>24.04.2025</a:t>
+              <a:t>20.07.2025</a:t>
             </a:fld>
             <a:endParaRPr lang="ru-RU"/>
           </a:p>
@@ -3402,7 +3402,7 @@
           <a:p>
             <a:fld id="{0B052313-9091-4C76-A5F9-A9D3259EC5F2}" type="datetimeFigureOut">
               <a:rPr lang="ru-RU" smtClean="0"/>
-              <a:t>24.04.2025</a:t>
+              <a:t>20.07.2025</a:t>
             </a:fld>
             <a:endParaRPr lang="ru-RU"/>
           </a:p>
@@ -3615,7 +3615,7 @@
           <a:p>
             <a:fld id="{0B052313-9091-4C76-A5F9-A9D3259EC5F2}" type="datetimeFigureOut">
               <a:rPr lang="ru-RU" smtClean="0"/>
-              <a:t>24.04.2025</a:t>
+              <a:t>20.07.2025</a:t>
             </a:fld>
             <a:endParaRPr lang="ru-RU"/>
           </a:p>
@@ -10932,15 +10932,7 @@
             </a:r>
             <a:r>
               <a:rPr lang="ru-RU" sz="1800" dirty="0"/>
-              <a:t>при которой происходит </a:t>
-            </a:r>
-            <a:r>
-              <a:rPr lang="ru-RU" sz="1800" dirty="0" err="1"/>
-              <a:t>задердка</a:t>
-            </a:r>
-            <a:r>
-              <a:rPr lang="ru-RU" sz="1800" dirty="0"/>
-              <a:t> частиц на скелете</a:t>
+              <a:t>при которой происходит задержка частиц на скелете</a:t>
             </a:r>
           </a:p>
           <a:p>
@@ -11152,8 +11144,8 @@
           </a:p>
         </p:txBody>
       </p:sp>
-      <mc:AlternateContent xmlns:mc="http://schemas.openxmlformats.org/markup-compatibility/2006">
-        <mc:Choice xmlns:a14="http://schemas.microsoft.com/office/drawing/2010/main" Requires="a14">
+      <mc:AlternateContent xmlns:mc="http://schemas.openxmlformats.org/markup-compatibility/2006" xmlns:a14="http://schemas.microsoft.com/office/drawing/2010/main">
+        <mc:Choice Requires="a14">
           <p:sp>
             <p:nvSpPr>
               <p:cNvPr id="29" name="TextBox 28">
@@ -11182,6 +11174,7 @@
               </a:bodyPr>
               <a:lstStyle/>
               <a:p>
+                <a:pPr/>
                 <a14:m>
                   <m:oMathPara xmlns:m="http://schemas.openxmlformats.org/officeDocument/2006/math">
                     <m:oMathParaPr>
@@ -11301,7 +11294,7 @@
             </p:txBody>
           </p:sp>
         </mc:Choice>
-        <mc:Fallback>
+        <mc:Fallback xmlns="">
           <p:sp>
             <p:nvSpPr>
               <p:cNvPr id="29" name="TextBox 28">
